--- a/front/classRef/00_AIAX(공유).pptx
+++ b/front/classRef/00_AIAX(공유).pptx
@@ -35,27 +35,27 @@
   <p:notesSz cx="6807200" cy="9939338"/>
   <p:embeddedFontLst>
     <p:embeddedFont>
-      <p:font typeface="Meiryo" panose="020B0600000101010101" charset="-128"/>
+      <p:font typeface="맑은 고딕" panose="020B0503020000020004" pitchFamily="50" charset="-127"/>
       <p:regular r:id="rId23"/>
       <p:bold r:id="rId24"/>
-      <p:italic r:id="rId25"/>
-      <p:boldItalic r:id="rId26"/>
+    </p:embeddedFont>
+    <p:embeddedFont>
+      <p:font typeface="Wingdings 2" panose="05020102010507070707" pitchFamily="18" charset="2"/>
+      <p:regular r:id="rId25"/>
+    </p:embeddedFont>
+    <p:embeddedFont>
+      <p:font typeface="Meiryo" panose="020B0600000101010101" charset="-128"/>
+      <p:regular r:id="rId26"/>
+      <p:bold r:id="rId27"/>
+      <p:italic r:id="rId28"/>
+      <p:boldItalic r:id="rId29"/>
+    </p:embeddedFont>
+    <p:embeddedFont>
+      <p:font typeface="휴먼모음T" panose="02030504000101010101" pitchFamily="18" charset="-127"/>
+      <p:regular r:id="rId30"/>
     </p:embeddedFont>
     <p:embeddedFont>
       <p:font typeface="HY엽서M" panose="02030600000101010101" pitchFamily="18" charset="-127"/>
-      <p:regular r:id="rId27"/>
-    </p:embeddedFont>
-    <p:embeddedFont>
-      <p:font typeface="휴먼모음T" panose="02030504000101010101" pitchFamily="18" charset="-127"/>
-      <p:regular r:id="rId28"/>
-    </p:embeddedFont>
-    <p:embeddedFont>
-      <p:font typeface="맑은 고딕" panose="020B0503020000020004" pitchFamily="50" charset="-127"/>
-      <p:regular r:id="rId29"/>
-      <p:bold r:id="rId30"/>
-    </p:embeddedFont>
-    <p:embeddedFont>
-      <p:font typeface="Wingdings 2" panose="05020102010507070707" pitchFamily="18" charset="2"/>
       <p:regular r:id="rId31"/>
     </p:embeddedFont>
   </p:embeddedFontLst>
@@ -315,7 +315,7 @@
               <a:pPr>
                 <a:defRPr/>
               </a:pPr>
-              <a:t>2023-07-16</a:t>
+              <a:t>2023-07-20</a:t>
             </a:fld>
             <a:endParaRPr lang="ko-KR" altLang="en-US"/>
           </a:p>
@@ -530,7 +530,7 @@
               <a:pPr>
                 <a:defRPr/>
               </a:pPr>
-              <a:t>2023-07-16</a:t>
+              <a:t>2023-07-20</a:t>
             </a:fld>
             <a:endParaRPr lang="ko-KR" altLang="en-US"/>
           </a:p>
@@ -1259,7 +1259,7 @@
               <a:pPr>
                 <a:defRPr/>
               </a:pPr>
-              <a:t>2023-07-16</a:t>
+              <a:t>2023-07-20</a:t>
             </a:fld>
             <a:endParaRPr lang="ko-KR" altLang="en-US"/>
           </a:p>
@@ -1501,7 +1501,7 @@
               <a:pPr>
                 <a:defRPr/>
               </a:pPr>
-              <a:t>2023-07-16</a:t>
+              <a:t>2023-07-20</a:t>
             </a:fld>
             <a:endParaRPr lang="ko-KR" altLang="en-US"/>
           </a:p>
@@ -1821,7 +1821,7 @@
               <a:pPr>
                 <a:defRPr/>
               </a:pPr>
-              <a:t>2023-07-16</a:t>
+              <a:t>2023-07-20</a:t>
             </a:fld>
             <a:endParaRPr lang="ko-KR" altLang="en-US"/>
           </a:p>
@@ -2478,7 +2478,7 @@
               <a:pPr>
                 <a:defRPr/>
               </a:pPr>
-              <a:t>2023-07-16</a:t>
+              <a:t>2023-07-20</a:t>
             </a:fld>
             <a:endParaRPr lang="ko-KR" altLang="en-US"/>
           </a:p>
@@ -3472,7 +3472,7 @@
               <a:pPr>
                 <a:defRPr/>
               </a:pPr>
-              <a:t>2023-07-16</a:t>
+              <a:t>2023-07-20</a:t>
             </a:fld>
             <a:endParaRPr lang="ko-KR" altLang="en-US"/>
           </a:p>
@@ -4803,7 +4803,7 @@
               <a:pPr>
                 <a:defRPr/>
               </a:pPr>
-              <a:t>2023-07-16</a:t>
+              <a:t>2023-07-20</a:t>
             </a:fld>
             <a:endParaRPr lang="ko-KR" altLang="en-US"/>
           </a:p>
@@ -5172,7 +5172,7 @@
               <a:pPr>
                 <a:defRPr/>
               </a:pPr>
-              <a:t>2023-07-16</a:t>
+              <a:t>2023-07-20</a:t>
             </a:fld>
             <a:endParaRPr lang="ko-KR" altLang="en-US"/>
           </a:p>
@@ -5438,7 +5438,7 @@
               <a:pPr>
                 <a:defRPr/>
               </a:pPr>
-              <a:t>2023-07-16</a:t>
+              <a:t>2023-07-20</a:t>
             </a:fld>
             <a:endParaRPr lang="ko-KR" altLang="en-US"/>
           </a:p>
@@ -5854,7 +5854,7 @@
               <a:pPr>
                 <a:defRPr/>
               </a:pPr>
-              <a:t>2023-07-16</a:t>
+              <a:t>2023-07-20</a:t>
             </a:fld>
             <a:endParaRPr lang="ko-KR" altLang="en-US"/>
           </a:p>
@@ -6456,7 +6456,7 @@
               <a:pPr>
                 <a:defRPr/>
               </a:pPr>
-              <a:t>2023-07-16</a:t>
+              <a:t>2023-07-20</a:t>
             </a:fld>
             <a:endParaRPr lang="ko-KR" altLang="en-US"/>
           </a:p>
@@ -6608,7 +6608,7 @@
               <a:pPr>
                 <a:defRPr/>
               </a:pPr>
-              <a:t>2023-07-16</a:t>
+              <a:t>2023-07-20</a:t>
             </a:fld>
             <a:endParaRPr lang="ko-KR" altLang="en-US"/>
           </a:p>
@@ -7204,7 +7204,7 @@
               <a:pPr>
                 <a:defRPr/>
               </a:pPr>
-              <a:t>2023-07-16</a:t>
+              <a:t>2023-07-20</a:t>
             </a:fld>
             <a:endParaRPr lang="ko-KR" altLang="en-US"/>
           </a:p>
@@ -7416,7 +7416,7 @@
               <a:pPr>
                 <a:defRPr/>
               </a:pPr>
-              <a:t>2023-07-16</a:t>
+              <a:t>2023-07-20</a:t>
             </a:fld>
             <a:endParaRPr lang="ko-KR" altLang="en-US"/>
           </a:p>
@@ -7686,7 +7686,7 @@
               <a:pPr>
                 <a:defRPr/>
               </a:pPr>
-              <a:t>2023-07-16</a:t>
+              <a:t>2023-07-20</a:t>
             </a:fld>
             <a:endParaRPr lang="ko-KR" altLang="en-US"/>
           </a:p>
@@ -7974,7 +7974,7 @@
               <a:pPr>
                 <a:defRPr/>
               </a:pPr>
-              <a:t>2023-07-16</a:t>
+              <a:t>2023-07-20</a:t>
             </a:fld>
             <a:endParaRPr lang="ko-KR" altLang="en-US"/>
           </a:p>
@@ -17047,6 +17047,23 @@
               <a:t>( </a:t>
             </a:r>
             <a:r>
+              <a:rPr lang="en-US" altLang="ko-KR" sz="1200" b="1" dirty="0" smtClean="0">
+                <a:solidFill>
+                  <a:srgbClr val="FF0000"/>
+                </a:solidFill>
+                <a:latin typeface="맑은 고딕" panose="020B0503020000020004" pitchFamily="50" charset="-127"/>
+                <a:ea typeface="맑은 고딕" panose="020B0503020000020004" pitchFamily="50" charset="-127"/>
+              </a:rPr>
+              <a:t>{</a:t>
+            </a:r>
+            <a:r>
+              <a:rPr lang="en-US" altLang="ko-KR" sz="1200" b="1" dirty="0" smtClean="0">
+                <a:latin typeface="맑은 고딕" panose="020B0503020000020004" pitchFamily="50" charset="-127"/>
+                <a:ea typeface="맑은 고딕" panose="020B0503020000020004" pitchFamily="50" charset="-127"/>
+              </a:rPr>
+              <a:t> </a:t>
+            </a:r>
+            <a:r>
               <a:rPr lang="en-US" altLang="ko-KR" sz="1200" b="1" dirty="0" err="1" smtClean="0">
                 <a:latin typeface="맑은 고딕" panose="020B0503020000020004" pitchFamily="50" charset="-127"/>
                 <a:ea typeface="맑은 고딕" panose="020B0503020000020004" pitchFamily="50" charset="-127"/>
@@ -17091,6 +17108,29 @@
                 <a:ea typeface="맑은 고딕" panose="020B0503020000020004" pitchFamily="50" charset="-127"/>
               </a:rPr>
               <a:t>] </a:t>
+            </a:r>
+            <a:r>
+              <a:rPr lang="en-US" altLang="ko-KR" sz="1200" b="1" dirty="0" smtClean="0">
+                <a:solidFill>
+                  <a:srgbClr val="FF0000"/>
+                </a:solidFill>
+                <a:latin typeface="맑은 고딕" panose="020B0503020000020004" pitchFamily="50" charset="-127"/>
+                <a:ea typeface="맑은 고딕" panose="020B0503020000020004" pitchFamily="50" charset="-127"/>
+              </a:rPr>
+              <a:t>}</a:t>
+            </a:r>
+            <a:r>
+              <a:rPr lang="en-US" altLang="ko-KR" sz="1200" b="1" dirty="0" smtClean="0">
+                <a:solidFill>
+                  <a:schemeClr val="tx1">
+                    <a:lumMod val="50000"/>
+                    <a:lumOff val="50000"/>
+                  </a:schemeClr>
+                </a:solidFill>
+                <a:latin typeface="맑은 고딕" panose="020B0503020000020004" pitchFamily="50" charset="-127"/>
+                <a:ea typeface="맑은 고딕" panose="020B0503020000020004" pitchFamily="50" charset="-127"/>
+              </a:rPr>
+              <a:t> </a:t>
             </a:r>
             <a:r>
               <a:rPr lang="en-US" altLang="ko-KR" sz="1200" b="1" dirty="0" smtClean="0">
